--- a/presentations/comp_ai_yang_papers.pptx
+++ b/presentations/comp_ai_yang_papers.pptx
@@ -124,6 +124,11 @@
       </a:defRPr>
     </a:lvl9pPr>
   </p:defaultTextStyle>
+  <p:extLst>
+    <p:ext uri="{EFAFB233-063F-42B5-8137-9DF3F51BA10A}">
+      <p15:sldGuideLst xmlns:p15="http://schemas.microsoft.com/office/powerpoint/2012/main"/>
+    </p:ext>
+  </p:extLst>
 </p:presentation>
 </file>
 
@@ -209,7 +214,7 @@
           <a:p>
             <a:fld id="{6ED6E5DF-52BD-1E4F-A561-394BD4DE47FF}" type="datetimeFigureOut">
               <a:rPr lang="en-US" smtClean="0"/>
-              <a:t>10/30/20</a:t>
+              <a:t>11/2/20</a:t>
             </a:fld>
             <a:endParaRPr lang="en-US"/>
           </a:p>
@@ -875,7 +880,7 @@
           <a:p>
             <a:fld id="{8B4C8914-075B-C845-8EEF-E469F958254E}" type="datetimeFigureOut">
               <a:rPr lang="en-US" smtClean="0"/>
-              <a:t>10/30/20</a:t>
+              <a:t>11/2/20</a:t>
             </a:fld>
             <a:endParaRPr lang="en-US"/>
           </a:p>
@@ -1073,7 +1078,7 @@
           <a:p>
             <a:fld id="{8B4C8914-075B-C845-8EEF-E469F958254E}" type="datetimeFigureOut">
               <a:rPr lang="en-US" smtClean="0"/>
-              <a:t>10/30/20</a:t>
+              <a:t>11/2/20</a:t>
             </a:fld>
             <a:endParaRPr lang="en-US"/>
           </a:p>
@@ -1281,7 +1286,7 @@
           <a:p>
             <a:fld id="{8B4C8914-075B-C845-8EEF-E469F958254E}" type="datetimeFigureOut">
               <a:rPr lang="en-US" smtClean="0"/>
-              <a:t>10/30/20</a:t>
+              <a:t>11/2/20</a:t>
             </a:fld>
             <a:endParaRPr lang="en-US"/>
           </a:p>
@@ -1479,7 +1484,7 @@
           <a:p>
             <a:fld id="{8B4C8914-075B-C845-8EEF-E469F958254E}" type="datetimeFigureOut">
               <a:rPr lang="en-US" smtClean="0"/>
-              <a:t>10/30/20</a:t>
+              <a:t>11/2/20</a:t>
             </a:fld>
             <a:endParaRPr lang="en-US"/>
           </a:p>
@@ -1754,7 +1759,7 @@
           <a:p>
             <a:fld id="{8B4C8914-075B-C845-8EEF-E469F958254E}" type="datetimeFigureOut">
               <a:rPr lang="en-US" smtClean="0"/>
-              <a:t>10/30/20</a:t>
+              <a:t>11/2/20</a:t>
             </a:fld>
             <a:endParaRPr lang="en-US"/>
           </a:p>
@@ -2019,7 +2024,7 @@
           <a:p>
             <a:fld id="{8B4C8914-075B-C845-8EEF-E469F958254E}" type="datetimeFigureOut">
               <a:rPr lang="en-US" smtClean="0"/>
-              <a:t>10/30/20</a:t>
+              <a:t>11/2/20</a:t>
             </a:fld>
             <a:endParaRPr lang="en-US"/>
           </a:p>
@@ -2431,7 +2436,7 @@
           <a:p>
             <a:fld id="{8B4C8914-075B-C845-8EEF-E469F958254E}" type="datetimeFigureOut">
               <a:rPr lang="en-US" smtClean="0"/>
-              <a:t>10/30/20</a:t>
+              <a:t>11/2/20</a:t>
             </a:fld>
             <a:endParaRPr lang="en-US"/>
           </a:p>
@@ -2572,7 +2577,7 @@
           <a:p>
             <a:fld id="{8B4C8914-075B-C845-8EEF-E469F958254E}" type="datetimeFigureOut">
               <a:rPr lang="en-US" smtClean="0"/>
-              <a:t>10/30/20</a:t>
+              <a:t>11/2/20</a:t>
             </a:fld>
             <a:endParaRPr lang="en-US"/>
           </a:p>
@@ -2685,7 +2690,7 @@
           <a:p>
             <a:fld id="{8B4C8914-075B-C845-8EEF-E469F958254E}" type="datetimeFigureOut">
               <a:rPr lang="en-US" smtClean="0"/>
-              <a:t>10/30/20</a:t>
+              <a:t>11/2/20</a:t>
             </a:fld>
             <a:endParaRPr lang="en-US"/>
           </a:p>
@@ -2996,7 +3001,7 @@
           <a:p>
             <a:fld id="{8B4C8914-075B-C845-8EEF-E469F958254E}" type="datetimeFigureOut">
               <a:rPr lang="en-US" smtClean="0"/>
-              <a:t>10/30/20</a:t>
+              <a:t>11/2/20</a:t>
             </a:fld>
             <a:endParaRPr lang="en-US"/>
           </a:p>
@@ -3284,7 +3289,7 @@
           <a:p>
             <a:fld id="{8B4C8914-075B-C845-8EEF-E469F958254E}" type="datetimeFigureOut">
               <a:rPr lang="en-US" smtClean="0"/>
-              <a:t>10/30/20</a:t>
+              <a:t>11/2/20</a:t>
             </a:fld>
             <a:endParaRPr lang="en-US"/>
           </a:p>
@@ -3525,7 +3530,7 @@
           <a:p>
             <a:fld id="{8B4C8914-075B-C845-8EEF-E469F958254E}" type="datetimeFigureOut">
               <a:rPr lang="en-US" smtClean="0"/>
-              <a:t>10/30/20</a:t>
+              <a:t>11/2/20</a:t>
             </a:fld>
             <a:endParaRPr lang="en-US"/>
           </a:p>
